--- a/content/Azure Fundamentals/1. Understand cloud concepts/0. Introduction.pptx
+++ b/content/Azure Fundamentals/1. Understand cloud concepts/0. Introduction.pptx
@@ -265,7 +265,7 @@
           <a:p>
             <a:fld id="{766927D6-957D-304E-8ACA-BA097D129572}" type="datetimeFigureOut">
               <a:rPr lang="en-US" smtClean="0"/>
-              <a:t>9/11/19</a:t>
+              <a:t>9/12/19</a:t>
             </a:fld>
             <a:endParaRPr lang="en-US"/>
           </a:p>
@@ -465,7 +465,7 @@
           <a:p>
             <a:fld id="{766927D6-957D-304E-8ACA-BA097D129572}" type="datetimeFigureOut">
               <a:rPr lang="en-US" smtClean="0"/>
-              <a:t>9/11/19</a:t>
+              <a:t>9/12/19</a:t>
             </a:fld>
             <a:endParaRPr lang="en-US"/>
           </a:p>
@@ -675,7 +675,7 @@
           <a:p>
             <a:fld id="{766927D6-957D-304E-8ACA-BA097D129572}" type="datetimeFigureOut">
               <a:rPr lang="en-US" smtClean="0"/>
-              <a:t>9/11/19</a:t>
+              <a:t>9/12/19</a:t>
             </a:fld>
             <a:endParaRPr lang="en-US"/>
           </a:p>
@@ -875,7 +875,7 @@
           <a:p>
             <a:fld id="{766927D6-957D-304E-8ACA-BA097D129572}" type="datetimeFigureOut">
               <a:rPr lang="en-US" smtClean="0"/>
-              <a:t>9/11/19</a:t>
+              <a:t>9/12/19</a:t>
             </a:fld>
             <a:endParaRPr lang="en-US"/>
           </a:p>
@@ -1181,7 +1181,7 @@
           <a:p>
             <a:fld id="{766927D6-957D-304E-8ACA-BA097D129572}" type="datetimeFigureOut">
               <a:rPr lang="en-US" smtClean="0"/>
-              <a:t>9/11/19</a:t>
+              <a:t>9/12/19</a:t>
             </a:fld>
             <a:endParaRPr lang="en-US"/>
           </a:p>
@@ -1449,7 +1449,7 @@
           <a:p>
             <a:fld id="{766927D6-957D-304E-8ACA-BA097D129572}" type="datetimeFigureOut">
               <a:rPr lang="en-US" smtClean="0"/>
-              <a:t>9/11/19</a:t>
+              <a:t>9/12/19</a:t>
             </a:fld>
             <a:endParaRPr lang="en-US"/>
           </a:p>
@@ -1864,7 +1864,7 @@
           <a:p>
             <a:fld id="{766927D6-957D-304E-8ACA-BA097D129572}" type="datetimeFigureOut">
               <a:rPr lang="en-US" smtClean="0"/>
-              <a:t>9/11/19</a:t>
+              <a:t>9/12/19</a:t>
             </a:fld>
             <a:endParaRPr lang="en-US"/>
           </a:p>
@@ -2006,7 +2006,7 @@
           <a:p>
             <a:fld id="{766927D6-957D-304E-8ACA-BA097D129572}" type="datetimeFigureOut">
               <a:rPr lang="en-US" smtClean="0"/>
-              <a:t>9/11/19</a:t>
+              <a:t>9/12/19</a:t>
             </a:fld>
             <a:endParaRPr lang="en-US"/>
           </a:p>
@@ -2119,7 +2119,7 @@
           <a:p>
             <a:fld id="{766927D6-957D-304E-8ACA-BA097D129572}" type="datetimeFigureOut">
               <a:rPr lang="en-US" smtClean="0"/>
-              <a:t>9/11/19</a:t>
+              <a:t>9/12/19</a:t>
             </a:fld>
             <a:endParaRPr lang="en-US"/>
           </a:p>
@@ -2432,7 +2432,7 @@
           <a:p>
             <a:fld id="{766927D6-957D-304E-8ACA-BA097D129572}" type="datetimeFigureOut">
               <a:rPr lang="en-US" smtClean="0"/>
-              <a:t>9/11/19</a:t>
+              <a:t>9/12/19</a:t>
             </a:fld>
             <a:endParaRPr lang="en-US"/>
           </a:p>
@@ -2721,7 +2721,7 @@
           <a:p>
             <a:fld id="{766927D6-957D-304E-8ACA-BA097D129572}" type="datetimeFigureOut">
               <a:rPr lang="en-US" smtClean="0"/>
-              <a:t>9/11/19</a:t>
+              <a:t>9/12/19</a:t>
             </a:fld>
             <a:endParaRPr lang="en-US"/>
           </a:p>
@@ -2964,7 +2964,7 @@
           <a:p>
             <a:fld id="{766927D6-957D-304E-8ACA-BA097D129572}" type="datetimeFigureOut">
               <a:rPr lang="en-US" smtClean="0"/>
-              <a:t>9/11/19</a:t>
+              <a:t>9/12/19</a:t>
             </a:fld>
             <a:endParaRPr lang="en-US"/>
           </a:p>
@@ -3381,89 +3381,12 @@
           <a:chExt cx="0" cy="0"/>
         </a:xfrm>
       </p:grpSpPr>
-      <p:sp>
-        <p:nvSpPr>
-          <p:cNvPr id="2" name="Title 1">
-            <a:extLst>
-              <a:ext uri="{FF2B5EF4-FFF2-40B4-BE49-F238E27FC236}">
-                <a16:creationId xmlns:a16="http://schemas.microsoft.com/office/drawing/2014/main" id="{818F06F4-CACF-A44D-A083-5AE9783A19B0}"/>
-              </a:ext>
-            </a:extLst>
-          </p:cNvPr>
-          <p:cNvSpPr>
-            <a:spLocks noGrp="1"/>
-          </p:cNvSpPr>
-          <p:nvPr>
-            <p:ph type="ctrTitle"/>
-          </p:nvPr>
-        </p:nvSpPr>
-        <p:spPr>
-          <a:xfrm>
-            <a:off x="1524000" y="3928119"/>
-            <a:ext cx="9144000" cy="926663"/>
-          </a:xfrm>
-        </p:spPr>
-        <p:txBody>
-          <a:bodyPr>
-            <a:normAutofit fontScale="90000"/>
-          </a:bodyPr>
-          <a:lstStyle/>
-          <a:p>
-            <a:r>
-              <a:rPr lang="en-US" dirty="0"/>
-              <a:t>The Benefits and considerations of using cloud services</a:t>
-            </a:r>
-          </a:p>
-        </p:txBody>
-      </p:sp>
-      <p:sp>
-        <p:nvSpPr>
-          <p:cNvPr id="3" name="Subtitle 2">
-            <a:extLst>
-              <a:ext uri="{FF2B5EF4-FFF2-40B4-BE49-F238E27FC236}">
-                <a16:creationId xmlns:a16="http://schemas.microsoft.com/office/drawing/2014/main" id="{8C9CDF67-DB8E-D142-9791-876662EF56EC}"/>
-              </a:ext>
-            </a:extLst>
-          </p:cNvPr>
-          <p:cNvSpPr>
-            <a:spLocks noGrp="1"/>
-          </p:cNvSpPr>
-          <p:nvPr>
-            <p:ph type="subTitle" idx="1"/>
-          </p:nvPr>
-        </p:nvSpPr>
-        <p:spPr>
-          <a:xfrm>
-            <a:off x="1524000" y="4737155"/>
-            <a:ext cx="9144000" cy="1655762"/>
-          </a:xfrm>
-        </p:spPr>
-        <p:txBody>
-          <a:bodyPr/>
-          <a:lstStyle/>
-          <a:p>
-            <a:endParaRPr lang="en-US" dirty="0"/>
-          </a:p>
-          <a:p>
-            <a:r>
-              <a:rPr lang="en-US" dirty="0"/>
-              <a:t>Nicolas Blank</a:t>
-            </a:r>
-          </a:p>
-          <a:p>
-            <a:r>
-              <a:rPr lang="en-US" dirty="0"/>
-              <a:t>Alistair Pugin</a:t>
-            </a:r>
-          </a:p>
-        </p:txBody>
-      </p:sp>
       <p:pic>
         <p:nvPicPr>
-          <p:cNvPr id="5" name="Picture 4">
-            <a:extLst>
-              <a:ext uri="{FF2B5EF4-FFF2-40B4-BE49-F238E27FC236}">
-                <a16:creationId xmlns:a16="http://schemas.microsoft.com/office/drawing/2014/main" id="{33534379-F695-7F4C-A1BD-46C8979FF484}"/>
+          <p:cNvPr id="6" name="Picture 5" descr="A close up of a logo&#10;&#10;Description automatically generated">
+            <a:extLst>
+              <a:ext uri="{FF2B5EF4-FFF2-40B4-BE49-F238E27FC236}">
+                <a16:creationId xmlns:a16="http://schemas.microsoft.com/office/drawing/2014/main" id="{D2FC1D1A-4DF7-8745-AF48-53F459816390}"/>
               </a:ext>
             </a:extLst>
           </p:cNvPr>
@@ -3474,6 +3397,113 @@
         </p:nvPicPr>
         <p:blipFill>
           <a:blip r:embed="rId2"/>
+          <a:stretch>
+            <a:fillRect/>
+          </a:stretch>
+        </p:blipFill>
+        <p:spPr>
+          <a:xfrm>
+            <a:off x="4762" y="0"/>
+            <a:ext cx="12182475" cy="6858000"/>
+          </a:xfrm>
+          <a:prstGeom prst="rect">
+            <a:avLst/>
+          </a:prstGeom>
+        </p:spPr>
+      </p:pic>
+      <p:sp>
+        <p:nvSpPr>
+          <p:cNvPr id="2" name="Title 1">
+            <a:extLst>
+              <a:ext uri="{FF2B5EF4-FFF2-40B4-BE49-F238E27FC236}">
+                <a16:creationId xmlns:a16="http://schemas.microsoft.com/office/drawing/2014/main" id="{818F06F4-CACF-A44D-A083-5AE9783A19B0}"/>
+              </a:ext>
+            </a:extLst>
+          </p:cNvPr>
+          <p:cNvSpPr>
+            <a:spLocks noGrp="1"/>
+          </p:cNvSpPr>
+          <p:nvPr>
+            <p:ph type="ctrTitle"/>
+          </p:nvPr>
+        </p:nvSpPr>
+        <p:spPr>
+          <a:xfrm>
+            <a:off x="1524000" y="3928119"/>
+            <a:ext cx="9144000" cy="926663"/>
+          </a:xfrm>
+        </p:spPr>
+        <p:txBody>
+          <a:bodyPr>
+            <a:normAutofit fontScale="90000"/>
+          </a:bodyPr>
+          <a:lstStyle/>
+          <a:p>
+            <a:r>
+              <a:rPr lang="en-US" dirty="0"/>
+              <a:t>The Benefits and considerations of using cloud services</a:t>
+            </a:r>
+          </a:p>
+        </p:txBody>
+      </p:sp>
+      <p:sp>
+        <p:nvSpPr>
+          <p:cNvPr id="3" name="Subtitle 2">
+            <a:extLst>
+              <a:ext uri="{FF2B5EF4-FFF2-40B4-BE49-F238E27FC236}">
+                <a16:creationId xmlns:a16="http://schemas.microsoft.com/office/drawing/2014/main" id="{8C9CDF67-DB8E-D142-9791-876662EF56EC}"/>
+              </a:ext>
+            </a:extLst>
+          </p:cNvPr>
+          <p:cNvSpPr>
+            <a:spLocks noGrp="1"/>
+          </p:cNvSpPr>
+          <p:nvPr>
+            <p:ph type="subTitle" idx="1"/>
+          </p:nvPr>
+        </p:nvSpPr>
+        <p:spPr>
+          <a:xfrm>
+            <a:off x="1524000" y="4737155"/>
+            <a:ext cx="9144000" cy="1655762"/>
+          </a:xfrm>
+        </p:spPr>
+        <p:txBody>
+          <a:bodyPr/>
+          <a:lstStyle/>
+          <a:p>
+            <a:endParaRPr lang="en-US" dirty="0"/>
+          </a:p>
+          <a:p>
+            <a:r>
+              <a:rPr lang="en-US" dirty="0"/>
+              <a:t>Nicolas Blank</a:t>
+            </a:r>
+          </a:p>
+          <a:p>
+            <a:r>
+              <a:rPr lang="en-US" dirty="0"/>
+              <a:t>Alistair Pugin</a:t>
+            </a:r>
+          </a:p>
+        </p:txBody>
+      </p:sp>
+      <p:pic>
+        <p:nvPicPr>
+          <p:cNvPr id="5" name="Picture 4">
+            <a:extLst>
+              <a:ext uri="{FF2B5EF4-FFF2-40B4-BE49-F238E27FC236}">
+                <a16:creationId xmlns:a16="http://schemas.microsoft.com/office/drawing/2014/main" id="{33534379-F695-7F4C-A1BD-46C8979FF484}"/>
+              </a:ext>
+            </a:extLst>
+          </p:cNvPr>
+          <p:cNvPicPr>
+            <a:picLocks noChangeAspect="1"/>
+          </p:cNvPicPr>
+          <p:nvPr/>
+        </p:nvPicPr>
+        <p:blipFill>
+          <a:blip r:embed="rId3"/>
           <a:stretch>
             <a:fillRect/>
           </a:stretch>
@@ -3518,6 +3548,36 @@
           <a:chExt cx="0" cy="0"/>
         </a:xfrm>
       </p:grpSpPr>
+      <p:pic>
+        <p:nvPicPr>
+          <p:cNvPr id="4" name="Picture 3" descr="A close up of a logo&#10;&#10;Description automatically generated">
+            <a:extLst>
+              <a:ext uri="{FF2B5EF4-FFF2-40B4-BE49-F238E27FC236}">
+                <a16:creationId xmlns:a16="http://schemas.microsoft.com/office/drawing/2014/main" id="{A151011B-2354-B147-B5DC-A7080B264597}"/>
+              </a:ext>
+            </a:extLst>
+          </p:cNvPr>
+          <p:cNvPicPr>
+            <a:picLocks noChangeAspect="1"/>
+          </p:cNvPicPr>
+          <p:nvPr/>
+        </p:nvPicPr>
+        <p:blipFill>
+          <a:blip r:embed="rId2"/>
+          <a:stretch>
+            <a:fillRect/>
+          </a:stretch>
+        </p:blipFill>
+        <p:spPr>
+          <a:xfrm>
+            <a:off x="4762" y="0"/>
+            <a:ext cx="12182475" cy="6858000"/>
+          </a:xfrm>
+          <a:prstGeom prst="rect">
+            <a:avLst/>
+          </a:prstGeom>
+        </p:spPr>
+      </p:pic>
       <p:sp>
         <p:nvSpPr>
           <p:cNvPr id="2" name="Title 1">
@@ -3650,6 +3710,36 @@
           </a:p>
         </p:txBody>
       </p:sp>
+      <p:pic>
+        <p:nvPicPr>
+          <p:cNvPr id="4" name="Picture 3" descr="A close up of a logo&#10;&#10;Description automatically generated">
+            <a:extLst>
+              <a:ext uri="{FF2B5EF4-FFF2-40B4-BE49-F238E27FC236}">
+                <a16:creationId xmlns:a16="http://schemas.microsoft.com/office/drawing/2014/main" id="{A60F1560-96CD-9C47-8B08-49739F7AE364}"/>
+              </a:ext>
+            </a:extLst>
+          </p:cNvPr>
+          <p:cNvPicPr>
+            <a:picLocks noChangeAspect="1"/>
+          </p:cNvPicPr>
+          <p:nvPr/>
+        </p:nvPicPr>
+        <p:blipFill>
+          <a:blip r:embed="rId2"/>
+          <a:stretch>
+            <a:fillRect/>
+          </a:stretch>
+        </p:blipFill>
+        <p:spPr>
+          <a:xfrm>
+            <a:off x="4762" y="0"/>
+            <a:ext cx="12182475" cy="6858000"/>
+          </a:xfrm>
+          <a:prstGeom prst="rect">
+            <a:avLst/>
+          </a:prstGeom>
+        </p:spPr>
+      </p:pic>
       <p:sp>
         <p:nvSpPr>
           <p:cNvPr id="3" name="Content Placeholder 2">
@@ -3728,6 +3818,36 @@
           <a:chExt cx="0" cy="0"/>
         </a:xfrm>
       </p:grpSpPr>
+      <p:pic>
+        <p:nvPicPr>
+          <p:cNvPr id="6" name="Picture 5" descr="A close up of a logo&#10;&#10;Description automatically generated">
+            <a:extLst>
+              <a:ext uri="{FF2B5EF4-FFF2-40B4-BE49-F238E27FC236}">
+                <a16:creationId xmlns:a16="http://schemas.microsoft.com/office/drawing/2014/main" id="{73CBE624-5C37-334E-912D-FA83D40084F0}"/>
+              </a:ext>
+            </a:extLst>
+          </p:cNvPr>
+          <p:cNvPicPr>
+            <a:picLocks noChangeAspect="1"/>
+          </p:cNvPicPr>
+          <p:nvPr/>
+        </p:nvPicPr>
+        <p:blipFill>
+          <a:blip r:embed="rId2"/>
+          <a:stretch>
+            <a:fillRect/>
+          </a:stretch>
+        </p:blipFill>
+        <p:spPr>
+          <a:xfrm>
+            <a:off x="4762" y="0"/>
+            <a:ext cx="12182475" cy="6858000"/>
+          </a:xfrm>
+          <a:prstGeom prst="rect">
+            <a:avLst/>
+          </a:prstGeom>
+        </p:spPr>
+      </p:pic>
       <p:sp>
         <p:nvSpPr>
           <p:cNvPr id="17" name="Rectangle 16">
@@ -3849,7 +3969,7 @@
           <a:lstStyle/>
           <a:p>
             <a:r>
-              <a:rPr lang="en-US">
+              <a:rPr lang="en-US" dirty="0">
                 <a:solidFill>
                   <a:schemeClr val="bg1"/>
                 </a:solidFill>
@@ -4733,6 +4853,36 @@
           <a:chExt cx="0" cy="0"/>
         </a:xfrm>
       </p:grpSpPr>
+      <p:pic>
+        <p:nvPicPr>
+          <p:cNvPr id="4" name="Picture 3" descr="A close up of a logo&#10;&#10;Description automatically generated">
+            <a:extLst>
+              <a:ext uri="{FF2B5EF4-FFF2-40B4-BE49-F238E27FC236}">
+                <a16:creationId xmlns:a16="http://schemas.microsoft.com/office/drawing/2014/main" id="{707CAD41-BA35-DB4E-B92C-2AA6A81AE5AC}"/>
+              </a:ext>
+            </a:extLst>
+          </p:cNvPr>
+          <p:cNvPicPr>
+            <a:picLocks noChangeAspect="1"/>
+          </p:cNvPicPr>
+          <p:nvPr/>
+        </p:nvPicPr>
+        <p:blipFill>
+          <a:blip r:embed="rId2"/>
+          <a:stretch>
+            <a:fillRect/>
+          </a:stretch>
+        </p:blipFill>
+        <p:spPr>
+          <a:xfrm>
+            <a:off x="4762" y="0"/>
+            <a:ext cx="12182475" cy="6858000"/>
+          </a:xfrm>
+          <a:prstGeom prst="rect">
+            <a:avLst/>
+          </a:prstGeom>
+        </p:spPr>
+      </p:pic>
       <p:sp>
         <p:nvSpPr>
           <p:cNvPr id="2" name="Title 1">
